--- a/非受控文档/2翻转PPT/PRD2018-G10-UML基础4.pptx
+++ b/非受控文档/2翻转PPT/PRD2018-G10-UML基础4.pptx
@@ -462,7 +462,7 @@
           <a:p>
             <a:fld id="{959EEDEB-74DD-4590-ADB0-3BDFBC7AA6C1}" type="datetimeFigureOut">
               <a:rPr lang="zh-CN" altLang="en-US" smtClean="0"/>
-              <a:t>2018/12/26</a:t>
+              <a:t>2018/12/30</a:t>
             </a:fld>
             <a:endParaRPr lang="zh-CN" altLang="en-US"/>
           </a:p>
@@ -858,7 +858,7 @@
           <a:p>
             <a:fld id="{698485DF-3FAB-45E9-A642-7745AB3E3AFD}" type="datetimeFigureOut">
               <a:rPr lang="zh-CN" altLang="en-US" smtClean="0"/>
-              <a:t>2018/12/26</a:t>
+              <a:t>2018/12/30</a:t>
             </a:fld>
             <a:endParaRPr lang="zh-CN" altLang="en-US"/>
           </a:p>
@@ -1021,7 +1021,7 @@
           <a:p>
             <a:fld id="{698485DF-3FAB-45E9-A642-7745AB3E3AFD}" type="datetimeFigureOut">
               <a:rPr lang="zh-CN" altLang="en-US" smtClean="0"/>
-              <a:t>2018/12/26</a:t>
+              <a:t>2018/12/30</a:t>
             </a:fld>
             <a:endParaRPr lang="zh-CN" altLang="en-US"/>
           </a:p>
@@ -1194,7 +1194,7 @@
           <a:p>
             <a:fld id="{698485DF-3FAB-45E9-A642-7745AB3E3AFD}" type="datetimeFigureOut">
               <a:rPr lang="zh-CN" altLang="en-US" smtClean="0"/>
-              <a:t>2018/12/26</a:t>
+              <a:t>2018/12/30</a:t>
             </a:fld>
             <a:endParaRPr lang="zh-CN" altLang="en-US"/>
           </a:p>
@@ -1306,7 +1306,7 @@
           <a:p>
             <a:fld id="{698485DF-3FAB-45E9-A642-7745AB3E3AFD}" type="datetimeFigureOut">
               <a:rPr lang="zh-CN" altLang="en-US" smtClean="0"/>
-              <a:t>2018/12/26</a:t>
+              <a:t>2018/12/30</a:t>
             </a:fld>
             <a:endParaRPr lang="zh-CN" altLang="en-US"/>
           </a:p>
@@ -2285,7 +2285,7 @@
           <a:p>
             <a:fld id="{698485DF-3FAB-45E9-A642-7745AB3E3AFD}" type="datetimeFigureOut">
               <a:rPr lang="zh-CN" altLang="en-US" smtClean="0"/>
-              <a:t>2018/12/26</a:t>
+              <a:t>2018/12/30</a:t>
             </a:fld>
             <a:endParaRPr lang="zh-CN" altLang="en-US"/>
           </a:p>
@@ -2525,7 +2525,7 @@
           <a:p>
             <a:fld id="{698485DF-3FAB-45E9-A642-7745AB3E3AFD}" type="datetimeFigureOut">
               <a:rPr lang="zh-CN" altLang="en-US" smtClean="0"/>
-              <a:t>2018/12/26</a:t>
+              <a:t>2018/12/30</a:t>
             </a:fld>
             <a:endParaRPr lang="zh-CN" altLang="en-US"/>
           </a:p>
@@ -2749,7 +2749,7 @@
           <a:p>
             <a:fld id="{698485DF-3FAB-45E9-A642-7745AB3E3AFD}" type="datetimeFigureOut">
               <a:rPr lang="zh-CN" altLang="en-US" smtClean="0"/>
-              <a:t>2018/12/26</a:t>
+              <a:t>2018/12/30</a:t>
             </a:fld>
             <a:endParaRPr lang="zh-CN" altLang="en-US"/>
           </a:p>
@@ -3108,7 +3108,7 @@
           <a:p>
             <a:fld id="{698485DF-3FAB-45E9-A642-7745AB3E3AFD}" type="datetimeFigureOut">
               <a:rPr lang="zh-CN" altLang="en-US" smtClean="0"/>
-              <a:t>2018/12/26</a:t>
+              <a:t>2018/12/30</a:t>
             </a:fld>
             <a:endParaRPr lang="zh-CN" altLang="en-US"/>
           </a:p>
@@ -3220,7 +3220,7 @@
           <a:p>
             <a:fld id="{698485DF-3FAB-45E9-A642-7745AB3E3AFD}" type="datetimeFigureOut">
               <a:rPr lang="zh-CN" altLang="en-US" smtClean="0"/>
-              <a:t>2018/12/26</a:t>
+              <a:t>2018/12/30</a:t>
             </a:fld>
             <a:endParaRPr lang="zh-CN" altLang="en-US"/>
           </a:p>
@@ -3310,7 +3310,7 @@
           <a:p>
             <a:fld id="{698485DF-3FAB-45E9-A642-7745AB3E3AFD}" type="datetimeFigureOut">
               <a:rPr lang="zh-CN" altLang="en-US" smtClean="0"/>
-              <a:t>2018/12/26</a:t>
+              <a:t>2018/12/30</a:t>
             </a:fld>
             <a:endParaRPr lang="zh-CN" altLang="en-US"/>
           </a:p>
@@ -3580,7 +3580,7 @@
           <a:p>
             <a:fld id="{698485DF-3FAB-45E9-A642-7745AB3E3AFD}" type="datetimeFigureOut">
               <a:rPr lang="zh-CN" altLang="en-US" smtClean="0"/>
-              <a:t>2018/12/26</a:t>
+              <a:t>2018/12/30</a:t>
             </a:fld>
             <a:endParaRPr lang="zh-CN" altLang="en-US"/>
           </a:p>
@@ -3827,7 +3827,7 @@
           <a:p>
             <a:fld id="{698485DF-3FAB-45E9-A642-7745AB3E3AFD}" type="datetimeFigureOut">
               <a:rPr lang="zh-CN" altLang="en-US" smtClean="0"/>
-              <a:t>2018/12/26</a:t>
+              <a:t>2018/12/30</a:t>
             </a:fld>
             <a:endParaRPr lang="zh-CN" altLang="en-US"/>
           </a:p>
@@ -4033,7 +4033,7 @@
           <a:p>
             <a:fld id="{698485DF-3FAB-45E9-A642-7745AB3E3AFD}" type="datetimeFigureOut">
               <a:rPr lang="zh-CN" altLang="en-US" smtClean="0"/>
-              <a:t>2018/12/26</a:t>
+              <a:t>2018/12/30</a:t>
             </a:fld>
             <a:endParaRPr lang="zh-CN" altLang="en-US"/>
           </a:p>
@@ -6330,75 +6330,6 @@
           </a:p>
         </p:txBody>
       </p:sp>
-      <p:graphicFrame>
-        <p:nvGraphicFramePr>
-          <p:cNvPr id="16" name="对象 15">
-            <a:extLst>
-              <a:ext uri="{FF2B5EF4-FFF2-40B4-BE49-F238E27FC236}">
-                <a16:creationId xmlns:a16="http://schemas.microsoft.com/office/drawing/2014/main" id="{7FC4F4AC-FAB5-47F0-B67B-63248FDBF666}"/>
-              </a:ext>
-            </a:extLst>
-          </p:cNvPr>
-          <p:cNvGraphicFramePr>
-            <a:graphicFrameLocks noChangeAspect="1"/>
-          </p:cNvGraphicFramePr>
-          <p:nvPr>
-            <p:extLst>
-              <p:ext uri="{D42A27DB-BD31-4B8C-83A1-F6EECF244321}">
-                <p14:modId xmlns:p14="http://schemas.microsoft.com/office/powerpoint/2010/main" val="4072309326"/>
-              </p:ext>
-            </p:extLst>
-          </p:nvPr>
-        </p:nvGraphicFramePr>
-        <p:xfrm>
-          <a:off x="3487772" y="33210"/>
-          <a:ext cx="5584115" cy="6993995"/>
-        </p:xfrm>
-        <a:graphic>
-          <a:graphicData uri="http://schemas.openxmlformats.org/presentationml/2006/ole">
-            <mc:AlternateContent xmlns:mc="http://schemas.openxmlformats.org/markup-compatibility/2006">
-              <mc:Choice xmlns:v="urn:schemas-microsoft-com:vml" Requires="v">
-                <p:oleObj spid="_x0000_s5133" name="Document" r:id="rId3" imgW="5274753" imgH="6902528" progId="Word.Document.12">
-                  <p:embed/>
-                </p:oleObj>
-              </mc:Choice>
-              <mc:Fallback>
-                <p:oleObj name="Document" r:id="rId3" imgW="5274753" imgH="6902528" progId="Word.Document.12">
-                  <p:embed/>
-                  <p:pic>
-                    <p:nvPicPr>
-                      <p:cNvPr id="16" name="对象 15">
-                        <a:extLst>
-                          <a:ext uri="{FF2B5EF4-FFF2-40B4-BE49-F238E27FC236}">
-                            <a16:creationId xmlns:a16="http://schemas.microsoft.com/office/drawing/2014/main" id="{7FC4F4AC-FAB5-47F0-B67B-63248FDBF666}"/>
-                          </a:ext>
-                        </a:extLst>
-                      </p:cNvPr>
-                      <p:cNvPicPr/>
-                      <p:nvPr/>
-                    </p:nvPicPr>
-                    <p:blipFill>
-                      <a:blip r:embed="rId4"/>
-                      <a:stretch>
-                        <a:fillRect/>
-                      </a:stretch>
-                    </p:blipFill>
-                    <p:spPr>
-                      <a:xfrm>
-                        <a:off x="3487772" y="33210"/>
-                        <a:ext cx="5584115" cy="6993995"/>
-                      </a:xfrm>
-                      <a:prstGeom prst="rect">
-                        <a:avLst/>
-                      </a:prstGeom>
-                    </p:spPr>
-                  </p:pic>
-                </p:oleObj>
-              </mc:Fallback>
-            </mc:AlternateContent>
-          </a:graphicData>
-        </a:graphic>
-      </p:graphicFrame>
       <p:sp>
         <p:nvSpPr>
           <p:cNvPr id="8" name="TextBox 76">
@@ -6435,7 +6366,7 @@
                 <a:latin typeface="微软雅黑" panose="020B0503020204020204" pitchFamily="34" charset="-122"/>
                 <a:ea typeface="微软雅黑" panose="020B0503020204020204" pitchFamily="34" charset="-122"/>
               </a:rPr>
-              <a:t>用例描述：</a:t>
+              <a:t>用例场景描述：</a:t>
             </a:r>
             <a:endParaRPr lang="en-US" altLang="zh-CN" sz="3200" dirty="0">
               <a:solidFill>
@@ -6529,6 +6460,1434 @@
           </a:p>
         </p:txBody>
       </p:sp>
+      <p:graphicFrame>
+        <p:nvGraphicFramePr>
+          <p:cNvPr id="2" name="表格 1">
+            <a:extLst>
+              <a:ext uri="{FF2B5EF4-FFF2-40B4-BE49-F238E27FC236}">
+                <a16:creationId xmlns:a16="http://schemas.microsoft.com/office/drawing/2014/main" id="{2391D9E1-1D20-4160-BEE1-39E300C45DCE}"/>
+              </a:ext>
+            </a:extLst>
+          </p:cNvPr>
+          <p:cNvGraphicFramePr>
+            <a:graphicFrameLocks noGrp="1"/>
+          </p:cNvGraphicFramePr>
+          <p:nvPr>
+            <p:extLst>
+              <p:ext uri="{D42A27DB-BD31-4B8C-83A1-F6EECF244321}">
+                <p14:modId xmlns:p14="http://schemas.microsoft.com/office/powerpoint/2010/main" val="2352734895"/>
+              </p:ext>
+            </p:extLst>
+          </p:nvPr>
+        </p:nvGraphicFramePr>
+        <p:xfrm>
+          <a:off x="3551464" y="359230"/>
+          <a:ext cx="6694715" cy="6257086"/>
+        </p:xfrm>
+        <a:graphic>
+          <a:graphicData uri="http://schemas.openxmlformats.org/drawingml/2006/table">
+            <a:tbl>
+              <a:tblPr>
+                <a:tableStyleId>{5C22544A-7EE6-4342-B048-85BDC9FD1C3A}</a:tableStyleId>
+              </a:tblPr>
+              <a:tblGrid>
+                <a:gridCol w="1278924">
+                  <a:extLst>
+                    <a:ext uri="{9D8B030D-6E8A-4147-A177-3AD203B41FA5}">
+                      <a16:colId xmlns:a16="http://schemas.microsoft.com/office/drawing/2014/main" val="2028344313"/>
+                    </a:ext>
+                  </a:extLst>
+                </a:gridCol>
+                <a:gridCol w="2068433">
+                  <a:extLst>
+                    <a:ext uri="{9D8B030D-6E8A-4147-A177-3AD203B41FA5}">
+                      <a16:colId xmlns:a16="http://schemas.microsoft.com/office/drawing/2014/main" val="1694197375"/>
+                    </a:ext>
+                  </a:extLst>
+                </a:gridCol>
+                <a:gridCol w="937983">
+                  <a:extLst>
+                    <a:ext uri="{9D8B030D-6E8A-4147-A177-3AD203B41FA5}">
+                      <a16:colId xmlns:a16="http://schemas.microsoft.com/office/drawing/2014/main" val="3819838491"/>
+                    </a:ext>
+                  </a:extLst>
+                </a:gridCol>
+                <a:gridCol w="2409375">
+                  <a:extLst>
+                    <a:ext uri="{9D8B030D-6E8A-4147-A177-3AD203B41FA5}">
+                      <a16:colId xmlns:a16="http://schemas.microsoft.com/office/drawing/2014/main" val="2904443485"/>
+                    </a:ext>
+                  </a:extLst>
+                </a:gridCol>
+              </a:tblGrid>
+              <a:tr h="593535">
+                <a:tc>
+                  <a:txBody>
+                    <a:bodyPr/>
+                    <a:lstStyle/>
+                    <a:p>
+                      <a:pPr algn="just">
+                        <a:spcAft>
+                          <a:spcPts val="0"/>
+                        </a:spcAft>
+                      </a:pPr>
+                      <a:r>
+                        <a:rPr lang="zh-CN" sz="1800" kern="100">
+                          <a:effectLst/>
+                        </a:rPr>
+                        <a:t>用例名称</a:t>
+                      </a:r>
+                      <a:endParaRPr lang="zh-CN" sz="1800" kern="100">
+                        <a:effectLst/>
+                        <a:latin typeface="Times New Roman" panose="02020603050405020304" pitchFamily="18" charset="0"/>
+                        <a:ea typeface="宋体" panose="02010600030101010101" pitchFamily="2" charset="-122"/>
+                      </a:endParaRPr>
+                    </a:p>
+                  </a:txBody>
+                  <a:tcPr marL="0" marR="0" marT="0" marB="0"/>
+                </a:tc>
+                <a:tc>
+                  <a:txBody>
+                    <a:bodyPr/>
+                    <a:lstStyle/>
+                    <a:p>
+                      <a:pPr algn="just">
+                        <a:spcAft>
+                          <a:spcPts val="0"/>
+                        </a:spcAft>
+                      </a:pPr>
+                      <a:r>
+                        <a:rPr lang="zh-CN" sz="1800" kern="100">
+                          <a:effectLst/>
+                        </a:rPr>
+                        <a:t>管理员浏览后台中心主页</a:t>
+                      </a:r>
+                      <a:endParaRPr lang="zh-CN" sz="1800" kern="100">
+                        <a:effectLst/>
+                        <a:latin typeface="Times New Roman" panose="02020603050405020304" pitchFamily="18" charset="0"/>
+                        <a:ea typeface="宋体" panose="02010600030101010101" pitchFamily="2" charset="-122"/>
+                      </a:endParaRPr>
+                    </a:p>
+                  </a:txBody>
+                  <a:tcPr marL="0" marR="0" marT="0" marB="0"/>
+                </a:tc>
+                <a:tc>
+                  <a:txBody>
+                    <a:bodyPr/>
+                    <a:lstStyle/>
+                    <a:p>
+                      <a:pPr algn="l">
+                        <a:spcAft>
+                          <a:spcPts val="0"/>
+                        </a:spcAft>
+                      </a:pPr>
+                      <a:r>
+                        <a:rPr lang="zh-CN" sz="1800" kern="100">
+                          <a:effectLst/>
+                        </a:rPr>
+                        <a:t>用例编号</a:t>
+                      </a:r>
+                      <a:endParaRPr lang="zh-CN" sz="1800" kern="100">
+                        <a:effectLst/>
+                        <a:latin typeface="Times New Roman" panose="02020603050405020304" pitchFamily="18" charset="0"/>
+                        <a:ea typeface="宋体" panose="02010600030101010101" pitchFamily="2" charset="-122"/>
+                      </a:endParaRPr>
+                    </a:p>
+                  </a:txBody>
+                  <a:tcPr marL="0" marR="0" marT="0" marB="0"/>
+                </a:tc>
+                <a:tc>
+                  <a:txBody>
+                    <a:bodyPr/>
+                    <a:lstStyle/>
+                    <a:p>
+                      <a:pPr algn="just">
+                        <a:spcAft>
+                          <a:spcPts val="0"/>
+                        </a:spcAft>
+                      </a:pPr>
+                      <a:r>
+                        <a:rPr lang="en-US" sz="1800" kern="100">
+                          <a:effectLst/>
+                        </a:rPr>
+                        <a:t>UC-ADMIN-01</a:t>
+                      </a:r>
+                      <a:endParaRPr lang="zh-CN" sz="1800" kern="100">
+                        <a:effectLst/>
+                        <a:latin typeface="Times New Roman" panose="02020603050405020304" pitchFamily="18" charset="0"/>
+                        <a:ea typeface="宋体" panose="02010600030101010101" pitchFamily="2" charset="-122"/>
+                      </a:endParaRPr>
+                    </a:p>
+                  </a:txBody>
+                  <a:tcPr marL="0" marR="0" marT="0" marB="0"/>
+                </a:tc>
+                <a:extLst>
+                  <a:ext uri="{0D108BD9-81ED-4DB2-BD59-A6C34878D82A}">
+                    <a16:rowId xmlns:a16="http://schemas.microsoft.com/office/drawing/2014/main" val="4252420131"/>
+                  </a:ext>
+                </a:extLst>
+              </a:tr>
+              <a:tr h="362144">
+                <a:tc>
+                  <a:txBody>
+                    <a:bodyPr/>
+                    <a:lstStyle/>
+                    <a:p>
+                      <a:pPr algn="just">
+                        <a:spcAft>
+                          <a:spcPts val="0"/>
+                        </a:spcAft>
+                      </a:pPr>
+                      <a:r>
+                        <a:rPr lang="zh-CN" sz="1800" kern="100">
+                          <a:effectLst/>
+                        </a:rPr>
+                        <a:t>创建人</a:t>
+                      </a:r>
+                      <a:endParaRPr lang="zh-CN" sz="1800" kern="100">
+                        <a:effectLst/>
+                        <a:latin typeface="Times New Roman" panose="02020603050405020304" pitchFamily="18" charset="0"/>
+                        <a:ea typeface="宋体" panose="02010600030101010101" pitchFamily="2" charset="-122"/>
+                      </a:endParaRPr>
+                    </a:p>
+                  </a:txBody>
+                  <a:tcPr marL="0" marR="0" marT="0" marB="0"/>
+                </a:tc>
+                <a:tc>
+                  <a:txBody>
+                    <a:bodyPr/>
+                    <a:lstStyle/>
+                    <a:p>
+                      <a:pPr algn="just">
+                        <a:spcAft>
+                          <a:spcPts val="0"/>
+                        </a:spcAft>
+                      </a:pPr>
+                      <a:r>
+                        <a:rPr lang="zh-CN" sz="1800" kern="100">
+                          <a:effectLst/>
+                        </a:rPr>
+                        <a:t>叶忠杰</a:t>
+                      </a:r>
+                      <a:endParaRPr lang="zh-CN" sz="1800" kern="100">
+                        <a:effectLst/>
+                        <a:latin typeface="Times New Roman" panose="02020603050405020304" pitchFamily="18" charset="0"/>
+                        <a:ea typeface="宋体" panose="02010600030101010101" pitchFamily="2" charset="-122"/>
+                      </a:endParaRPr>
+                    </a:p>
+                  </a:txBody>
+                  <a:tcPr marL="0" marR="0" marT="0" marB="0"/>
+                </a:tc>
+                <a:tc>
+                  <a:txBody>
+                    <a:bodyPr/>
+                    <a:lstStyle/>
+                    <a:p>
+                      <a:pPr algn="l">
+                        <a:spcAft>
+                          <a:spcPts val="0"/>
+                        </a:spcAft>
+                      </a:pPr>
+                      <a:r>
+                        <a:rPr lang="zh-CN" sz="1800" kern="100" dirty="0">
+                          <a:effectLst/>
+                        </a:rPr>
+                        <a:t>创建日期</a:t>
+                      </a:r>
+                      <a:endParaRPr lang="zh-CN" sz="1800" kern="100" dirty="0">
+                        <a:effectLst/>
+                        <a:latin typeface="Times New Roman" panose="02020603050405020304" pitchFamily="18" charset="0"/>
+                        <a:ea typeface="宋体" panose="02010600030101010101" pitchFamily="2" charset="-122"/>
+                      </a:endParaRPr>
+                    </a:p>
+                  </a:txBody>
+                  <a:tcPr marL="0" marR="0" marT="0" marB="0"/>
+                </a:tc>
+                <a:tc>
+                  <a:txBody>
+                    <a:bodyPr/>
+                    <a:lstStyle/>
+                    <a:p>
+                      <a:pPr algn="just">
+                        <a:spcAft>
+                          <a:spcPts val="0"/>
+                        </a:spcAft>
+                      </a:pPr>
+                      <a:r>
+                        <a:rPr lang="en-US" sz="1800" kern="100">
+                          <a:effectLst/>
+                        </a:rPr>
+                        <a:t>2018</a:t>
+                      </a:r>
+                      <a:r>
+                        <a:rPr lang="zh-CN" sz="1800" kern="100">
+                          <a:effectLst/>
+                        </a:rPr>
+                        <a:t>年</a:t>
+                      </a:r>
+                      <a:r>
+                        <a:rPr lang="en-US" sz="1800" kern="100">
+                          <a:effectLst/>
+                        </a:rPr>
+                        <a:t>12</a:t>
+                      </a:r>
+                      <a:r>
+                        <a:rPr lang="zh-CN" sz="1800" kern="100">
+                          <a:effectLst/>
+                        </a:rPr>
+                        <a:t>月</a:t>
+                      </a:r>
+                      <a:r>
+                        <a:rPr lang="en-US" sz="1800" kern="100">
+                          <a:effectLst/>
+                        </a:rPr>
+                        <a:t>22</a:t>
+                      </a:r>
+                      <a:r>
+                        <a:rPr lang="zh-CN" sz="1800" kern="100">
+                          <a:effectLst/>
+                        </a:rPr>
+                        <a:t>日</a:t>
+                      </a:r>
+                      <a:endParaRPr lang="zh-CN" sz="1800" kern="100">
+                        <a:effectLst/>
+                        <a:latin typeface="Times New Roman" panose="02020603050405020304" pitchFamily="18" charset="0"/>
+                        <a:ea typeface="宋体" panose="02010600030101010101" pitchFamily="2" charset="-122"/>
+                      </a:endParaRPr>
+                    </a:p>
+                  </a:txBody>
+                  <a:tcPr marL="0" marR="0" marT="0" marB="0"/>
+                </a:tc>
+                <a:extLst>
+                  <a:ext uri="{0D108BD9-81ED-4DB2-BD59-A6C34878D82A}">
+                    <a16:rowId xmlns:a16="http://schemas.microsoft.com/office/drawing/2014/main" val="2483915937"/>
+                  </a:ext>
+                </a:extLst>
+              </a:tr>
+              <a:tr h="593535">
+                <a:tc>
+                  <a:txBody>
+                    <a:bodyPr/>
+                    <a:lstStyle/>
+                    <a:p>
+                      <a:pPr algn="just">
+                        <a:spcAft>
+                          <a:spcPts val="0"/>
+                        </a:spcAft>
+                      </a:pPr>
+                      <a:r>
+                        <a:rPr lang="zh-CN" sz="1800" kern="100">
+                          <a:effectLst/>
+                        </a:rPr>
+                        <a:t>需求来源</a:t>
+                      </a:r>
+                      <a:endParaRPr lang="zh-CN" sz="1800" kern="100">
+                        <a:effectLst/>
+                        <a:latin typeface="Times New Roman" panose="02020603050405020304" pitchFamily="18" charset="0"/>
+                        <a:ea typeface="宋体" panose="02010600030101010101" pitchFamily="2" charset="-122"/>
+                      </a:endParaRPr>
+                    </a:p>
+                  </a:txBody>
+                  <a:tcPr marL="0" marR="0" marT="0" marB="0"/>
+                </a:tc>
+                <a:tc>
+                  <a:txBody>
+                    <a:bodyPr/>
+                    <a:lstStyle/>
+                    <a:p>
+                      <a:pPr algn="just">
+                        <a:spcAft>
+                          <a:spcPts val="0"/>
+                        </a:spcAft>
+                      </a:pPr>
+                      <a:r>
+                        <a:rPr lang="en-US" sz="1800" kern="100">
+                          <a:effectLst/>
+                        </a:rPr>
+                        <a:t>PRD-2018-G10-</a:t>
+                      </a:r>
+                      <a:r>
+                        <a:rPr lang="zh-CN" sz="1800" kern="100">
+                          <a:effectLst/>
+                        </a:rPr>
+                        <a:t>管理员访谈</a:t>
+                      </a:r>
+                      <a:endParaRPr lang="zh-CN" sz="1800" kern="100">
+                        <a:effectLst/>
+                        <a:latin typeface="Times New Roman" panose="02020603050405020304" pitchFamily="18" charset="0"/>
+                        <a:ea typeface="宋体" panose="02010600030101010101" pitchFamily="2" charset="-122"/>
+                      </a:endParaRPr>
+                    </a:p>
+                  </a:txBody>
+                  <a:tcPr marL="0" marR="0" marT="0" marB="0"/>
+                </a:tc>
+                <a:tc>
+                  <a:txBody>
+                    <a:bodyPr/>
+                    <a:lstStyle/>
+                    <a:p>
+                      <a:pPr algn="l">
+                        <a:spcAft>
+                          <a:spcPts val="0"/>
+                        </a:spcAft>
+                      </a:pPr>
+                      <a:r>
+                        <a:rPr lang="zh-CN" sz="1800" kern="100">
+                          <a:effectLst/>
+                        </a:rPr>
+                        <a:t>批准日期</a:t>
+                      </a:r>
+                      <a:endParaRPr lang="zh-CN" sz="1800" kern="100">
+                        <a:effectLst/>
+                        <a:latin typeface="Times New Roman" panose="02020603050405020304" pitchFamily="18" charset="0"/>
+                        <a:ea typeface="宋体" panose="02010600030101010101" pitchFamily="2" charset="-122"/>
+                      </a:endParaRPr>
+                    </a:p>
+                  </a:txBody>
+                  <a:tcPr marL="0" marR="0" marT="0" marB="0"/>
+                </a:tc>
+                <a:tc>
+                  <a:txBody>
+                    <a:bodyPr/>
+                    <a:lstStyle/>
+                    <a:p>
+                      <a:pPr algn="just">
+                        <a:spcAft>
+                          <a:spcPts val="0"/>
+                        </a:spcAft>
+                      </a:pPr>
+                      <a:r>
+                        <a:rPr lang="en-US" sz="1800" kern="100">
+                          <a:effectLst/>
+                        </a:rPr>
+                        <a:t> </a:t>
+                      </a:r>
+                      <a:endParaRPr lang="zh-CN" sz="1800" kern="100">
+                        <a:effectLst/>
+                        <a:latin typeface="Times New Roman" panose="02020603050405020304" pitchFamily="18" charset="0"/>
+                        <a:ea typeface="宋体" panose="02010600030101010101" pitchFamily="2" charset="-122"/>
+                      </a:endParaRPr>
+                    </a:p>
+                  </a:txBody>
+                  <a:tcPr marL="0" marR="0" marT="0" marB="0"/>
+                </a:tc>
+                <a:extLst>
+                  <a:ext uri="{0D108BD9-81ED-4DB2-BD59-A6C34878D82A}">
+                    <a16:rowId xmlns:a16="http://schemas.microsoft.com/office/drawing/2014/main" val="4237694407"/>
+                  </a:ext>
+                </a:extLst>
+              </a:tr>
+              <a:tr h="362144">
+                <a:tc>
+                  <a:txBody>
+                    <a:bodyPr/>
+                    <a:lstStyle/>
+                    <a:p>
+                      <a:pPr algn="just">
+                        <a:spcAft>
+                          <a:spcPts val="0"/>
+                        </a:spcAft>
+                      </a:pPr>
+                      <a:r>
+                        <a:rPr lang="zh-CN" sz="1800" kern="100">
+                          <a:effectLst/>
+                        </a:rPr>
+                        <a:t>首要角色</a:t>
+                      </a:r>
+                      <a:endParaRPr lang="zh-CN" sz="1800" kern="100">
+                        <a:effectLst/>
+                        <a:latin typeface="Times New Roman" panose="02020603050405020304" pitchFamily="18" charset="0"/>
+                        <a:ea typeface="宋体" panose="02010600030101010101" pitchFamily="2" charset="-122"/>
+                      </a:endParaRPr>
+                    </a:p>
+                  </a:txBody>
+                  <a:tcPr marL="0" marR="0" marT="0" marB="0"/>
+                </a:tc>
+                <a:tc gridSpan="3">
+                  <a:txBody>
+                    <a:bodyPr/>
+                    <a:lstStyle/>
+                    <a:p>
+                      <a:pPr algn="just">
+                        <a:spcAft>
+                          <a:spcPts val="0"/>
+                        </a:spcAft>
+                      </a:pPr>
+                      <a:r>
+                        <a:rPr lang="zh-CN" sz="1800" kern="100">
+                          <a:effectLst/>
+                        </a:rPr>
+                        <a:t>管理员</a:t>
+                      </a:r>
+                      <a:endParaRPr lang="zh-CN" sz="1800" kern="100">
+                        <a:effectLst/>
+                        <a:latin typeface="Times New Roman" panose="02020603050405020304" pitchFamily="18" charset="0"/>
+                        <a:ea typeface="宋体" panose="02010600030101010101" pitchFamily="2" charset="-122"/>
+                      </a:endParaRPr>
+                    </a:p>
+                  </a:txBody>
+                  <a:tcPr marL="0" marR="0" marT="0" marB="0"/>
+                </a:tc>
+                <a:tc hMerge="1">
+                  <a:txBody>
+                    <a:bodyPr/>
+                    <a:lstStyle/>
+                    <a:p>
+                      <a:endParaRPr lang="zh-CN" altLang="en-US"/>
+                    </a:p>
+                  </a:txBody>
+                  <a:tcPr/>
+                </a:tc>
+                <a:tc hMerge="1">
+                  <a:txBody>
+                    <a:bodyPr/>
+                    <a:lstStyle/>
+                    <a:p>
+                      <a:endParaRPr lang="zh-CN" altLang="en-US"/>
+                    </a:p>
+                  </a:txBody>
+                  <a:tcPr/>
+                </a:tc>
+                <a:extLst>
+                  <a:ext uri="{0D108BD9-81ED-4DB2-BD59-A6C34878D82A}">
+                    <a16:rowId xmlns:a16="http://schemas.microsoft.com/office/drawing/2014/main" val="1874470502"/>
+                  </a:ext>
+                </a:extLst>
+              </a:tr>
+              <a:tr h="362144">
+                <a:tc>
+                  <a:txBody>
+                    <a:bodyPr/>
+                    <a:lstStyle/>
+                    <a:p>
+                      <a:pPr algn="just">
+                        <a:spcAft>
+                          <a:spcPts val="0"/>
+                        </a:spcAft>
+                      </a:pPr>
+                      <a:r>
+                        <a:rPr lang="zh-CN" sz="1800" kern="100">
+                          <a:effectLst/>
+                        </a:rPr>
+                        <a:t>次要角色</a:t>
+                      </a:r>
+                      <a:endParaRPr lang="zh-CN" sz="1800" kern="100">
+                        <a:effectLst/>
+                        <a:latin typeface="Times New Roman" panose="02020603050405020304" pitchFamily="18" charset="0"/>
+                        <a:ea typeface="宋体" panose="02010600030101010101" pitchFamily="2" charset="-122"/>
+                      </a:endParaRPr>
+                    </a:p>
+                  </a:txBody>
+                  <a:tcPr marL="0" marR="0" marT="0" marB="0"/>
+                </a:tc>
+                <a:tc gridSpan="3">
+                  <a:txBody>
+                    <a:bodyPr/>
+                    <a:lstStyle/>
+                    <a:p>
+                      <a:pPr algn="just">
+                        <a:spcAft>
+                          <a:spcPts val="0"/>
+                        </a:spcAft>
+                      </a:pPr>
+                      <a:r>
+                        <a:rPr lang="zh-CN" sz="1800" kern="100" dirty="0">
+                          <a:effectLst/>
+                        </a:rPr>
+                        <a:t>无</a:t>
+                      </a:r>
+                      <a:endParaRPr lang="zh-CN" sz="1800" kern="100" dirty="0">
+                        <a:effectLst/>
+                        <a:latin typeface="Times New Roman" panose="02020603050405020304" pitchFamily="18" charset="0"/>
+                        <a:ea typeface="宋体" panose="02010600030101010101" pitchFamily="2" charset="-122"/>
+                      </a:endParaRPr>
+                    </a:p>
+                  </a:txBody>
+                  <a:tcPr marL="0" marR="0" marT="0" marB="0"/>
+                </a:tc>
+                <a:tc hMerge="1">
+                  <a:txBody>
+                    <a:bodyPr/>
+                    <a:lstStyle/>
+                    <a:p>
+                      <a:endParaRPr lang="zh-CN" altLang="en-US"/>
+                    </a:p>
+                  </a:txBody>
+                  <a:tcPr/>
+                </a:tc>
+                <a:tc hMerge="1">
+                  <a:txBody>
+                    <a:bodyPr/>
+                    <a:lstStyle/>
+                    <a:p>
+                      <a:endParaRPr lang="zh-CN" altLang="en-US"/>
+                    </a:p>
+                  </a:txBody>
+                  <a:tcPr/>
+                </a:tc>
+                <a:extLst>
+                  <a:ext uri="{0D108BD9-81ED-4DB2-BD59-A6C34878D82A}">
+                    <a16:rowId xmlns:a16="http://schemas.microsoft.com/office/drawing/2014/main" val="230137496"/>
+                  </a:ext>
+                </a:extLst>
+              </a:tr>
+              <a:tr h="362144">
+                <a:tc>
+                  <a:txBody>
+                    <a:bodyPr/>
+                    <a:lstStyle/>
+                    <a:p>
+                      <a:pPr algn="just">
+                        <a:spcAft>
+                          <a:spcPts val="0"/>
+                        </a:spcAft>
+                      </a:pPr>
+                      <a:r>
+                        <a:rPr lang="zh-CN" sz="1800" kern="100">
+                          <a:effectLst/>
+                        </a:rPr>
+                        <a:t>用例概述</a:t>
+                      </a:r>
+                      <a:endParaRPr lang="zh-CN" sz="1800" kern="100">
+                        <a:effectLst/>
+                        <a:latin typeface="Times New Roman" panose="02020603050405020304" pitchFamily="18" charset="0"/>
+                        <a:ea typeface="宋体" panose="02010600030101010101" pitchFamily="2" charset="-122"/>
+                      </a:endParaRPr>
+                    </a:p>
+                  </a:txBody>
+                  <a:tcPr marL="0" marR="0" marT="0" marB="0"/>
+                </a:tc>
+                <a:tc gridSpan="3">
+                  <a:txBody>
+                    <a:bodyPr/>
+                    <a:lstStyle/>
+                    <a:p>
+                      <a:pPr algn="just">
+                        <a:spcAft>
+                          <a:spcPts val="0"/>
+                        </a:spcAft>
+                      </a:pPr>
+                      <a:r>
+                        <a:rPr lang="zh-CN" sz="1800" kern="100" dirty="0">
+                          <a:effectLst/>
+                        </a:rPr>
+                        <a:t>管理员浏览后台中心主页</a:t>
+                      </a:r>
+                      <a:endParaRPr lang="zh-CN" sz="1800" kern="100" dirty="0">
+                        <a:effectLst/>
+                        <a:latin typeface="Times New Roman" panose="02020603050405020304" pitchFamily="18" charset="0"/>
+                        <a:ea typeface="宋体" panose="02010600030101010101" pitchFamily="2" charset="-122"/>
+                      </a:endParaRPr>
+                    </a:p>
+                  </a:txBody>
+                  <a:tcPr marL="0" marR="0" marT="0" marB="0"/>
+                </a:tc>
+                <a:tc hMerge="1">
+                  <a:txBody>
+                    <a:bodyPr/>
+                    <a:lstStyle/>
+                    <a:p>
+                      <a:endParaRPr lang="zh-CN" altLang="en-US"/>
+                    </a:p>
+                  </a:txBody>
+                  <a:tcPr/>
+                </a:tc>
+                <a:tc hMerge="1">
+                  <a:txBody>
+                    <a:bodyPr/>
+                    <a:lstStyle/>
+                    <a:p>
+                      <a:endParaRPr lang="zh-CN" altLang="en-US"/>
+                    </a:p>
+                  </a:txBody>
+                  <a:tcPr/>
+                </a:tc>
+                <a:extLst>
+                  <a:ext uri="{0D108BD9-81ED-4DB2-BD59-A6C34878D82A}">
+                    <a16:rowId xmlns:a16="http://schemas.microsoft.com/office/drawing/2014/main" val="3551518735"/>
+                  </a:ext>
+                </a:extLst>
+              </a:tr>
+              <a:tr h="362144">
+                <a:tc>
+                  <a:txBody>
+                    <a:bodyPr/>
+                    <a:lstStyle/>
+                    <a:p>
+                      <a:pPr algn="just">
+                        <a:spcAft>
+                          <a:spcPts val="0"/>
+                        </a:spcAft>
+                      </a:pPr>
+                      <a:r>
+                        <a:rPr lang="zh-CN" sz="1800" kern="100">
+                          <a:effectLst/>
+                        </a:rPr>
+                        <a:t>前置条件</a:t>
+                      </a:r>
+                      <a:endParaRPr lang="zh-CN" sz="1800" kern="100">
+                        <a:effectLst/>
+                        <a:latin typeface="Times New Roman" panose="02020603050405020304" pitchFamily="18" charset="0"/>
+                        <a:ea typeface="宋体" panose="02010600030101010101" pitchFamily="2" charset="-122"/>
+                      </a:endParaRPr>
+                    </a:p>
+                  </a:txBody>
+                  <a:tcPr marL="0" marR="0" marT="0" marB="0"/>
+                </a:tc>
+                <a:tc gridSpan="3">
+                  <a:txBody>
+                    <a:bodyPr/>
+                    <a:lstStyle/>
+                    <a:p>
+                      <a:pPr algn="just">
+                        <a:spcAft>
+                          <a:spcPts val="0"/>
+                        </a:spcAft>
+                      </a:pPr>
+                      <a:r>
+                        <a:rPr lang="zh-CN" sz="1800" kern="100">
+                          <a:effectLst/>
+                        </a:rPr>
+                        <a:t>管理员在主页点击后台中心 </a:t>
+                      </a:r>
+                      <a:endParaRPr lang="zh-CN" sz="1800" kern="100">
+                        <a:effectLst/>
+                        <a:latin typeface="Times New Roman" panose="02020603050405020304" pitchFamily="18" charset="0"/>
+                        <a:ea typeface="宋体" panose="02010600030101010101" pitchFamily="2" charset="-122"/>
+                      </a:endParaRPr>
+                    </a:p>
+                  </a:txBody>
+                  <a:tcPr marL="0" marR="0" marT="0" marB="0"/>
+                </a:tc>
+                <a:tc hMerge="1">
+                  <a:txBody>
+                    <a:bodyPr/>
+                    <a:lstStyle/>
+                    <a:p>
+                      <a:endParaRPr lang="zh-CN" altLang="en-US"/>
+                    </a:p>
+                  </a:txBody>
+                  <a:tcPr/>
+                </a:tc>
+                <a:tc hMerge="1">
+                  <a:txBody>
+                    <a:bodyPr/>
+                    <a:lstStyle/>
+                    <a:p>
+                      <a:endParaRPr lang="zh-CN" altLang="en-US"/>
+                    </a:p>
+                  </a:txBody>
+                  <a:tcPr/>
+                </a:tc>
+                <a:extLst>
+                  <a:ext uri="{0D108BD9-81ED-4DB2-BD59-A6C34878D82A}">
+                    <a16:rowId xmlns:a16="http://schemas.microsoft.com/office/drawing/2014/main" val="2554391290"/>
+                  </a:ext>
+                </a:extLst>
+              </a:tr>
+              <a:tr h="362144">
+                <a:tc>
+                  <a:txBody>
+                    <a:bodyPr/>
+                    <a:lstStyle/>
+                    <a:p>
+                      <a:pPr algn="just">
+                        <a:spcAft>
+                          <a:spcPts val="0"/>
+                        </a:spcAft>
+                      </a:pPr>
+                      <a:r>
+                        <a:rPr lang="zh-CN" sz="1800" kern="100">
+                          <a:effectLst/>
+                        </a:rPr>
+                        <a:t>后置条件</a:t>
+                      </a:r>
+                      <a:endParaRPr lang="zh-CN" sz="1800" kern="100">
+                        <a:effectLst/>
+                        <a:latin typeface="Times New Roman" panose="02020603050405020304" pitchFamily="18" charset="0"/>
+                        <a:ea typeface="宋体" panose="02010600030101010101" pitchFamily="2" charset="-122"/>
+                      </a:endParaRPr>
+                    </a:p>
+                  </a:txBody>
+                  <a:tcPr marL="0" marR="0" marT="0" marB="0"/>
+                </a:tc>
+                <a:tc gridSpan="3">
+                  <a:txBody>
+                    <a:bodyPr/>
+                    <a:lstStyle/>
+                    <a:p>
+                      <a:pPr algn="just">
+                        <a:spcAft>
+                          <a:spcPts val="0"/>
+                        </a:spcAft>
+                      </a:pPr>
+                      <a:r>
+                        <a:rPr lang="zh-CN" sz="1800" kern="100" dirty="0">
+                          <a:effectLst/>
+                        </a:rPr>
+                        <a:t>出现后台中心主页</a:t>
+                      </a:r>
+                      <a:endParaRPr lang="zh-CN" sz="1800" kern="100" dirty="0">
+                        <a:effectLst/>
+                        <a:latin typeface="Times New Roman" panose="02020603050405020304" pitchFamily="18" charset="0"/>
+                        <a:ea typeface="宋体" panose="02010600030101010101" pitchFamily="2" charset="-122"/>
+                      </a:endParaRPr>
+                    </a:p>
+                  </a:txBody>
+                  <a:tcPr marL="0" marR="0" marT="0" marB="0"/>
+                </a:tc>
+                <a:tc hMerge="1">
+                  <a:txBody>
+                    <a:bodyPr/>
+                    <a:lstStyle/>
+                    <a:p>
+                      <a:endParaRPr lang="zh-CN" altLang="en-US"/>
+                    </a:p>
+                  </a:txBody>
+                  <a:tcPr/>
+                </a:tc>
+                <a:tc hMerge="1">
+                  <a:txBody>
+                    <a:bodyPr/>
+                    <a:lstStyle/>
+                    <a:p>
+                      <a:endParaRPr lang="zh-CN" altLang="en-US"/>
+                    </a:p>
+                  </a:txBody>
+                  <a:tcPr/>
+                </a:tc>
+                <a:extLst>
+                  <a:ext uri="{0D108BD9-81ED-4DB2-BD59-A6C34878D82A}">
+                    <a16:rowId xmlns:a16="http://schemas.microsoft.com/office/drawing/2014/main" val="1665675404"/>
+                  </a:ext>
+                </a:extLst>
+              </a:tr>
+              <a:tr h="362144">
+                <a:tc>
+                  <a:txBody>
+                    <a:bodyPr/>
+                    <a:lstStyle/>
+                    <a:p>
+                      <a:pPr algn="just">
+                        <a:spcAft>
+                          <a:spcPts val="0"/>
+                        </a:spcAft>
+                      </a:pPr>
+                      <a:r>
+                        <a:rPr lang="zh-CN" sz="1800" kern="100">
+                          <a:effectLst/>
+                        </a:rPr>
+                        <a:t>基本事件流</a:t>
+                      </a:r>
+                      <a:endParaRPr lang="zh-CN" sz="1800" kern="100">
+                        <a:effectLst/>
+                        <a:latin typeface="Times New Roman" panose="02020603050405020304" pitchFamily="18" charset="0"/>
+                        <a:ea typeface="宋体" panose="02010600030101010101" pitchFamily="2" charset="-122"/>
+                      </a:endParaRPr>
+                    </a:p>
+                  </a:txBody>
+                  <a:tcPr marL="0" marR="0" marT="0" marB="0"/>
+                </a:tc>
+                <a:tc gridSpan="3">
+                  <a:txBody>
+                    <a:bodyPr/>
+                    <a:lstStyle/>
+                    <a:p>
+                      <a:pPr algn="just">
+                        <a:spcAft>
+                          <a:spcPts val="0"/>
+                        </a:spcAft>
+                      </a:pPr>
+                      <a:r>
+                        <a:rPr lang="en-US" sz="1800" kern="100">
+                          <a:effectLst/>
+                        </a:rPr>
+                        <a:t>1</a:t>
+                      </a:r>
+                      <a:r>
+                        <a:rPr lang="zh-CN" sz="1800" kern="100">
+                          <a:effectLst/>
+                        </a:rPr>
+                        <a:t>、管理员登陆后点击后台中心，进入后台中心界面</a:t>
+                      </a:r>
+                      <a:endParaRPr lang="zh-CN" sz="1800" kern="100">
+                        <a:effectLst/>
+                        <a:latin typeface="Times New Roman" panose="02020603050405020304" pitchFamily="18" charset="0"/>
+                        <a:ea typeface="宋体" panose="02010600030101010101" pitchFamily="2" charset="-122"/>
+                      </a:endParaRPr>
+                    </a:p>
+                  </a:txBody>
+                  <a:tcPr marL="0" marR="0" marT="0" marB="0"/>
+                </a:tc>
+                <a:tc hMerge="1">
+                  <a:txBody>
+                    <a:bodyPr/>
+                    <a:lstStyle/>
+                    <a:p>
+                      <a:endParaRPr lang="zh-CN" altLang="en-US"/>
+                    </a:p>
+                  </a:txBody>
+                  <a:tcPr/>
+                </a:tc>
+                <a:tc hMerge="1">
+                  <a:txBody>
+                    <a:bodyPr/>
+                    <a:lstStyle/>
+                    <a:p>
+                      <a:endParaRPr lang="zh-CN" altLang="en-US"/>
+                    </a:p>
+                  </a:txBody>
+                  <a:tcPr/>
+                </a:tc>
+                <a:extLst>
+                  <a:ext uri="{0D108BD9-81ED-4DB2-BD59-A6C34878D82A}">
+                    <a16:rowId xmlns:a16="http://schemas.microsoft.com/office/drawing/2014/main" val="1873946874"/>
+                  </a:ext>
+                </a:extLst>
+              </a:tr>
+              <a:tr h="362144">
+                <a:tc>
+                  <a:txBody>
+                    <a:bodyPr/>
+                    <a:lstStyle/>
+                    <a:p>
+                      <a:pPr algn="just">
+                        <a:spcAft>
+                          <a:spcPts val="0"/>
+                        </a:spcAft>
+                      </a:pPr>
+                      <a:r>
+                        <a:rPr lang="zh-CN" sz="1800" kern="100">
+                          <a:effectLst/>
+                        </a:rPr>
+                        <a:t>扩展事件流</a:t>
+                      </a:r>
+                      <a:endParaRPr lang="zh-CN" sz="1800" kern="100">
+                        <a:effectLst/>
+                        <a:latin typeface="Times New Roman" panose="02020603050405020304" pitchFamily="18" charset="0"/>
+                        <a:ea typeface="宋体" panose="02010600030101010101" pitchFamily="2" charset="-122"/>
+                      </a:endParaRPr>
+                    </a:p>
+                  </a:txBody>
+                  <a:tcPr marL="0" marR="0" marT="0" marB="0"/>
+                </a:tc>
+                <a:tc gridSpan="3">
+                  <a:txBody>
+                    <a:bodyPr/>
+                    <a:lstStyle/>
+                    <a:p>
+                      <a:pPr algn="just">
+                        <a:spcAft>
+                          <a:spcPts val="0"/>
+                        </a:spcAft>
+                      </a:pPr>
+                      <a:r>
+                        <a:rPr lang="zh-CN" sz="1800" kern="100">
+                          <a:effectLst/>
+                        </a:rPr>
+                        <a:t>无</a:t>
+                      </a:r>
+                      <a:endParaRPr lang="zh-CN" sz="1800" kern="100">
+                        <a:effectLst/>
+                        <a:latin typeface="Times New Roman" panose="02020603050405020304" pitchFamily="18" charset="0"/>
+                        <a:ea typeface="宋体" panose="02010600030101010101" pitchFamily="2" charset="-122"/>
+                      </a:endParaRPr>
+                    </a:p>
+                  </a:txBody>
+                  <a:tcPr marL="0" marR="0" marT="0" marB="0"/>
+                </a:tc>
+                <a:tc hMerge="1">
+                  <a:txBody>
+                    <a:bodyPr/>
+                    <a:lstStyle/>
+                    <a:p>
+                      <a:endParaRPr lang="zh-CN" altLang="en-US"/>
+                    </a:p>
+                  </a:txBody>
+                  <a:tcPr/>
+                </a:tc>
+                <a:tc hMerge="1">
+                  <a:txBody>
+                    <a:bodyPr/>
+                    <a:lstStyle/>
+                    <a:p>
+                      <a:endParaRPr lang="zh-CN" altLang="en-US"/>
+                    </a:p>
+                  </a:txBody>
+                  <a:tcPr/>
+                </a:tc>
+                <a:extLst>
+                  <a:ext uri="{0D108BD9-81ED-4DB2-BD59-A6C34878D82A}">
+                    <a16:rowId xmlns:a16="http://schemas.microsoft.com/office/drawing/2014/main" val="722530391"/>
+                  </a:ext>
+                </a:extLst>
+              </a:tr>
+              <a:tr h="362144">
+                <a:tc>
+                  <a:txBody>
+                    <a:bodyPr/>
+                    <a:lstStyle/>
+                    <a:p>
+                      <a:pPr algn="just">
+                        <a:spcAft>
+                          <a:spcPts val="0"/>
+                        </a:spcAft>
+                      </a:pPr>
+                      <a:r>
+                        <a:rPr lang="zh-CN" sz="1800" kern="100">
+                          <a:effectLst/>
+                        </a:rPr>
+                        <a:t>异常事件流</a:t>
+                      </a:r>
+                      <a:endParaRPr lang="zh-CN" sz="1800" kern="100">
+                        <a:effectLst/>
+                        <a:latin typeface="Times New Roman" panose="02020603050405020304" pitchFamily="18" charset="0"/>
+                        <a:ea typeface="宋体" panose="02010600030101010101" pitchFamily="2" charset="-122"/>
+                      </a:endParaRPr>
+                    </a:p>
+                  </a:txBody>
+                  <a:tcPr marL="0" marR="0" marT="0" marB="0"/>
+                </a:tc>
+                <a:tc gridSpan="3">
+                  <a:txBody>
+                    <a:bodyPr/>
+                    <a:lstStyle/>
+                    <a:p>
+                      <a:pPr algn="just">
+                        <a:spcAft>
+                          <a:spcPts val="0"/>
+                        </a:spcAft>
+                      </a:pPr>
+                      <a:r>
+                        <a:rPr lang="zh-CN" sz="1800" kern="100" dirty="0">
+                          <a:effectLst/>
+                        </a:rPr>
+                        <a:t>无</a:t>
+                      </a:r>
+                      <a:endParaRPr lang="zh-CN" sz="1800" kern="100" dirty="0">
+                        <a:effectLst/>
+                        <a:latin typeface="Times New Roman" panose="02020603050405020304" pitchFamily="18" charset="0"/>
+                        <a:ea typeface="宋体" panose="02010600030101010101" pitchFamily="2" charset="-122"/>
+                      </a:endParaRPr>
+                    </a:p>
+                  </a:txBody>
+                  <a:tcPr marL="0" marR="0" marT="0" marB="0"/>
+                </a:tc>
+                <a:tc hMerge="1">
+                  <a:txBody>
+                    <a:bodyPr/>
+                    <a:lstStyle/>
+                    <a:p>
+                      <a:endParaRPr lang="zh-CN" altLang="en-US"/>
+                    </a:p>
+                  </a:txBody>
+                  <a:tcPr/>
+                </a:tc>
+                <a:tc hMerge="1">
+                  <a:txBody>
+                    <a:bodyPr/>
+                    <a:lstStyle/>
+                    <a:p>
+                      <a:endParaRPr lang="zh-CN" altLang="en-US"/>
+                    </a:p>
+                  </a:txBody>
+                  <a:tcPr/>
+                </a:tc>
+                <a:extLst>
+                  <a:ext uri="{0D108BD9-81ED-4DB2-BD59-A6C34878D82A}">
+                    <a16:rowId xmlns:a16="http://schemas.microsoft.com/office/drawing/2014/main" val="799141745"/>
+                  </a:ext>
+                </a:extLst>
+              </a:tr>
+              <a:tr h="362144">
+                <a:tc>
+                  <a:txBody>
+                    <a:bodyPr/>
+                    <a:lstStyle/>
+                    <a:p>
+                      <a:pPr algn="just">
+                        <a:spcAft>
+                          <a:spcPts val="0"/>
+                        </a:spcAft>
+                      </a:pPr>
+                      <a:r>
+                        <a:rPr lang="zh-CN" sz="1800" kern="100">
+                          <a:effectLst/>
+                        </a:rPr>
+                        <a:t>输入</a:t>
+                      </a:r>
+                      <a:endParaRPr lang="zh-CN" sz="1800" kern="100">
+                        <a:effectLst/>
+                        <a:latin typeface="Times New Roman" panose="02020603050405020304" pitchFamily="18" charset="0"/>
+                        <a:ea typeface="宋体" panose="02010600030101010101" pitchFamily="2" charset="-122"/>
+                      </a:endParaRPr>
+                    </a:p>
+                  </a:txBody>
+                  <a:tcPr marL="0" marR="0" marT="0" marB="0"/>
+                </a:tc>
+                <a:tc gridSpan="3">
+                  <a:txBody>
+                    <a:bodyPr/>
+                    <a:lstStyle/>
+                    <a:p>
+                      <a:pPr algn="just">
+                        <a:spcAft>
+                          <a:spcPts val="0"/>
+                        </a:spcAft>
+                      </a:pPr>
+                      <a:r>
+                        <a:rPr lang="zh-CN" sz="1800" kern="100">
+                          <a:effectLst/>
+                        </a:rPr>
+                        <a:t>点击后台中心</a:t>
+                      </a:r>
+                      <a:endParaRPr lang="zh-CN" sz="1800" kern="100">
+                        <a:effectLst/>
+                        <a:latin typeface="Times New Roman" panose="02020603050405020304" pitchFamily="18" charset="0"/>
+                        <a:ea typeface="宋体" panose="02010600030101010101" pitchFamily="2" charset="-122"/>
+                      </a:endParaRPr>
+                    </a:p>
+                  </a:txBody>
+                  <a:tcPr marL="0" marR="0" marT="0" marB="0"/>
+                </a:tc>
+                <a:tc hMerge="1">
+                  <a:txBody>
+                    <a:bodyPr/>
+                    <a:lstStyle/>
+                    <a:p>
+                      <a:endParaRPr lang="zh-CN" altLang="en-US"/>
+                    </a:p>
+                  </a:txBody>
+                  <a:tcPr/>
+                </a:tc>
+                <a:tc hMerge="1">
+                  <a:txBody>
+                    <a:bodyPr/>
+                    <a:lstStyle/>
+                    <a:p>
+                      <a:endParaRPr lang="zh-CN" altLang="en-US"/>
+                    </a:p>
+                  </a:txBody>
+                  <a:tcPr/>
+                </a:tc>
+                <a:extLst>
+                  <a:ext uri="{0D108BD9-81ED-4DB2-BD59-A6C34878D82A}">
+                    <a16:rowId xmlns:a16="http://schemas.microsoft.com/office/drawing/2014/main" val="2913397975"/>
+                  </a:ext>
+                </a:extLst>
+              </a:tr>
+              <a:tr h="362144">
+                <a:tc>
+                  <a:txBody>
+                    <a:bodyPr/>
+                    <a:lstStyle/>
+                    <a:p>
+                      <a:pPr algn="just">
+                        <a:spcAft>
+                          <a:spcPts val="0"/>
+                        </a:spcAft>
+                      </a:pPr>
+                      <a:r>
+                        <a:rPr lang="zh-CN" sz="1800" kern="100">
+                          <a:effectLst/>
+                        </a:rPr>
+                        <a:t>输出</a:t>
+                      </a:r>
+                      <a:endParaRPr lang="zh-CN" sz="1800" kern="100">
+                        <a:effectLst/>
+                        <a:latin typeface="Times New Roman" panose="02020603050405020304" pitchFamily="18" charset="0"/>
+                        <a:ea typeface="宋体" panose="02010600030101010101" pitchFamily="2" charset="-122"/>
+                      </a:endParaRPr>
+                    </a:p>
+                  </a:txBody>
+                  <a:tcPr marL="0" marR="0" marT="0" marB="0"/>
+                </a:tc>
+                <a:tc gridSpan="3">
+                  <a:txBody>
+                    <a:bodyPr/>
+                    <a:lstStyle/>
+                    <a:p>
+                      <a:pPr algn="just">
+                        <a:spcAft>
+                          <a:spcPts val="0"/>
+                        </a:spcAft>
+                      </a:pPr>
+                      <a:r>
+                        <a:rPr lang="zh-CN" sz="1800" kern="100">
+                          <a:effectLst/>
+                        </a:rPr>
+                        <a:t>后台中心界面</a:t>
+                      </a:r>
+                      <a:endParaRPr lang="zh-CN" sz="1800" kern="100">
+                        <a:effectLst/>
+                        <a:latin typeface="Times New Roman" panose="02020603050405020304" pitchFamily="18" charset="0"/>
+                        <a:ea typeface="宋体" panose="02010600030101010101" pitchFamily="2" charset="-122"/>
+                      </a:endParaRPr>
+                    </a:p>
+                  </a:txBody>
+                  <a:tcPr marL="0" marR="0" marT="0" marB="0"/>
+                </a:tc>
+                <a:tc hMerge="1">
+                  <a:txBody>
+                    <a:bodyPr/>
+                    <a:lstStyle/>
+                    <a:p>
+                      <a:endParaRPr lang="zh-CN" altLang="en-US"/>
+                    </a:p>
+                  </a:txBody>
+                  <a:tcPr/>
+                </a:tc>
+                <a:tc hMerge="1">
+                  <a:txBody>
+                    <a:bodyPr/>
+                    <a:lstStyle/>
+                    <a:p>
+                      <a:endParaRPr lang="zh-CN" altLang="en-US"/>
+                    </a:p>
+                  </a:txBody>
+                  <a:tcPr/>
+                </a:tc>
+                <a:extLst>
+                  <a:ext uri="{0D108BD9-81ED-4DB2-BD59-A6C34878D82A}">
+                    <a16:rowId xmlns:a16="http://schemas.microsoft.com/office/drawing/2014/main" val="3868897801"/>
+                  </a:ext>
+                </a:extLst>
+              </a:tr>
+              <a:tr h="362144">
+                <a:tc>
+                  <a:txBody>
+                    <a:bodyPr/>
+                    <a:lstStyle/>
+                    <a:p>
+                      <a:pPr algn="just">
+                        <a:spcAft>
+                          <a:spcPts val="0"/>
+                        </a:spcAft>
+                      </a:pPr>
+                      <a:r>
+                        <a:rPr lang="zh-CN" sz="1800" kern="100">
+                          <a:effectLst/>
+                        </a:rPr>
+                        <a:t>优先级</a:t>
+                      </a:r>
+                      <a:endParaRPr lang="zh-CN" sz="1800" kern="100">
+                        <a:effectLst/>
+                        <a:latin typeface="Times New Roman" panose="02020603050405020304" pitchFamily="18" charset="0"/>
+                        <a:ea typeface="宋体" panose="02010600030101010101" pitchFamily="2" charset="-122"/>
+                      </a:endParaRPr>
+                    </a:p>
+                  </a:txBody>
+                  <a:tcPr marL="0" marR="0" marT="0" marB="0"/>
+                </a:tc>
+                <a:tc gridSpan="3">
+                  <a:txBody>
+                    <a:bodyPr/>
+                    <a:lstStyle/>
+                    <a:p>
+                      <a:pPr algn="just">
+                        <a:spcAft>
+                          <a:spcPts val="0"/>
+                        </a:spcAft>
+                      </a:pPr>
+                      <a:r>
+                        <a:rPr lang="en-US" sz="1800" kern="100">
+                          <a:effectLst/>
+                        </a:rPr>
+                        <a:t>TBD</a:t>
+                      </a:r>
+                      <a:endParaRPr lang="zh-CN" sz="1800" kern="100">
+                        <a:effectLst/>
+                        <a:latin typeface="Times New Roman" panose="02020603050405020304" pitchFamily="18" charset="0"/>
+                        <a:ea typeface="宋体" panose="02010600030101010101" pitchFamily="2" charset="-122"/>
+                      </a:endParaRPr>
+                    </a:p>
+                  </a:txBody>
+                  <a:tcPr marL="0" marR="0" marT="0" marB="0"/>
+                </a:tc>
+                <a:tc hMerge="1">
+                  <a:txBody>
+                    <a:bodyPr/>
+                    <a:lstStyle/>
+                    <a:p>
+                      <a:endParaRPr lang="zh-CN" altLang="en-US"/>
+                    </a:p>
+                  </a:txBody>
+                  <a:tcPr/>
+                </a:tc>
+                <a:tc hMerge="1">
+                  <a:txBody>
+                    <a:bodyPr/>
+                    <a:lstStyle/>
+                    <a:p>
+                      <a:endParaRPr lang="zh-CN" altLang="en-US"/>
+                    </a:p>
+                  </a:txBody>
+                  <a:tcPr/>
+                </a:tc>
+                <a:extLst>
+                  <a:ext uri="{0D108BD9-81ED-4DB2-BD59-A6C34878D82A}">
+                    <a16:rowId xmlns:a16="http://schemas.microsoft.com/office/drawing/2014/main" val="2358145318"/>
+                  </a:ext>
+                </a:extLst>
+              </a:tr>
+              <a:tr h="362144">
+                <a:tc>
+                  <a:txBody>
+                    <a:bodyPr/>
+                    <a:lstStyle/>
+                    <a:p>
+                      <a:pPr algn="just">
+                        <a:spcAft>
+                          <a:spcPts val="0"/>
+                        </a:spcAft>
+                      </a:pPr>
+                      <a:r>
+                        <a:rPr lang="zh-CN" sz="1800" kern="100">
+                          <a:effectLst/>
+                        </a:rPr>
+                        <a:t>使用频率</a:t>
+                      </a:r>
+                      <a:endParaRPr lang="zh-CN" sz="1800" kern="100">
+                        <a:effectLst/>
+                        <a:latin typeface="Times New Roman" panose="02020603050405020304" pitchFamily="18" charset="0"/>
+                        <a:ea typeface="宋体" panose="02010600030101010101" pitchFamily="2" charset="-122"/>
+                      </a:endParaRPr>
+                    </a:p>
+                  </a:txBody>
+                  <a:tcPr marL="0" marR="0" marT="0" marB="0"/>
+                </a:tc>
+                <a:tc gridSpan="3">
+                  <a:txBody>
+                    <a:bodyPr/>
+                    <a:lstStyle/>
+                    <a:p>
+                      <a:pPr algn="just">
+                        <a:spcAft>
+                          <a:spcPts val="0"/>
+                        </a:spcAft>
+                      </a:pPr>
+                      <a:r>
+                        <a:rPr lang="zh-CN" sz="1800" kern="100">
+                          <a:effectLst/>
+                        </a:rPr>
+                        <a:t>高</a:t>
+                      </a:r>
+                      <a:endParaRPr lang="zh-CN" sz="1800" kern="100">
+                        <a:effectLst/>
+                        <a:latin typeface="Times New Roman" panose="02020603050405020304" pitchFamily="18" charset="0"/>
+                        <a:ea typeface="宋体" panose="02010600030101010101" pitchFamily="2" charset="-122"/>
+                      </a:endParaRPr>
+                    </a:p>
+                  </a:txBody>
+                  <a:tcPr marL="0" marR="0" marT="0" marB="0"/>
+                </a:tc>
+                <a:tc hMerge="1">
+                  <a:txBody>
+                    <a:bodyPr/>
+                    <a:lstStyle/>
+                    <a:p>
+                      <a:endParaRPr lang="zh-CN" altLang="en-US"/>
+                    </a:p>
+                  </a:txBody>
+                  <a:tcPr/>
+                </a:tc>
+                <a:tc hMerge="1">
+                  <a:txBody>
+                    <a:bodyPr/>
+                    <a:lstStyle/>
+                    <a:p>
+                      <a:endParaRPr lang="zh-CN" altLang="en-US"/>
+                    </a:p>
+                  </a:txBody>
+                  <a:tcPr/>
+                </a:tc>
+                <a:extLst>
+                  <a:ext uri="{0D108BD9-81ED-4DB2-BD59-A6C34878D82A}">
+                    <a16:rowId xmlns:a16="http://schemas.microsoft.com/office/drawing/2014/main" val="1308505337"/>
+                  </a:ext>
+                </a:extLst>
+              </a:tr>
+              <a:tr h="362144">
+                <a:tc>
+                  <a:txBody>
+                    <a:bodyPr/>
+                    <a:lstStyle/>
+                    <a:p>
+                      <a:pPr algn="just">
+                        <a:spcAft>
+                          <a:spcPts val="0"/>
+                        </a:spcAft>
+                      </a:pPr>
+                      <a:r>
+                        <a:rPr lang="zh-CN" sz="1800" kern="100" dirty="0">
+                          <a:effectLst/>
+                        </a:rPr>
+                        <a:t>注释</a:t>
+                      </a:r>
+                      <a:endParaRPr lang="zh-CN" sz="1800" kern="100" dirty="0">
+                        <a:effectLst/>
+                        <a:latin typeface="Times New Roman" panose="02020603050405020304" pitchFamily="18" charset="0"/>
+                        <a:ea typeface="宋体" panose="02010600030101010101" pitchFamily="2" charset="-122"/>
+                      </a:endParaRPr>
+                    </a:p>
+                  </a:txBody>
+                  <a:tcPr marL="0" marR="0" marT="0" marB="0"/>
+                </a:tc>
+                <a:tc gridSpan="3">
+                  <a:txBody>
+                    <a:bodyPr/>
+                    <a:lstStyle/>
+                    <a:p>
+                      <a:pPr algn="just">
+                        <a:spcAft>
+                          <a:spcPts val="0"/>
+                        </a:spcAft>
+                      </a:pPr>
+                      <a:r>
+                        <a:rPr lang="zh-CN" sz="1800" kern="100" dirty="0">
+                          <a:effectLst/>
+                        </a:rPr>
+                        <a:t>无</a:t>
+                      </a:r>
+                      <a:endParaRPr lang="zh-CN" sz="1800" kern="100" dirty="0">
+                        <a:effectLst/>
+                        <a:latin typeface="Times New Roman" panose="02020603050405020304" pitchFamily="18" charset="0"/>
+                        <a:ea typeface="宋体" panose="02010600030101010101" pitchFamily="2" charset="-122"/>
+                      </a:endParaRPr>
+                    </a:p>
+                  </a:txBody>
+                  <a:tcPr marL="0" marR="0" marT="0" marB="0"/>
+                </a:tc>
+                <a:tc hMerge="1">
+                  <a:txBody>
+                    <a:bodyPr/>
+                    <a:lstStyle/>
+                    <a:p>
+                      <a:endParaRPr lang="zh-CN" altLang="en-US"/>
+                    </a:p>
+                  </a:txBody>
+                  <a:tcPr/>
+                </a:tc>
+                <a:tc hMerge="1">
+                  <a:txBody>
+                    <a:bodyPr/>
+                    <a:lstStyle/>
+                    <a:p>
+                      <a:endParaRPr lang="zh-CN" altLang="en-US"/>
+                    </a:p>
+                  </a:txBody>
+                  <a:tcPr/>
+                </a:tc>
+                <a:extLst>
+                  <a:ext uri="{0D108BD9-81ED-4DB2-BD59-A6C34878D82A}">
+                    <a16:rowId xmlns:a16="http://schemas.microsoft.com/office/drawing/2014/main" val="528933075"/>
+                  </a:ext>
+                </a:extLst>
+              </a:tr>
+            </a:tbl>
+          </a:graphicData>
+        </a:graphic>
+      </p:graphicFrame>
     </p:spTree>
     <p:extLst>
       <p:ext uri="{BB962C8B-B14F-4D97-AF65-F5344CB8AC3E}">
